--- a/SWC2024-LunchPreso/ProtectYourPython.pptx
+++ b/SWC2024-LunchPreso/ProtectYourPython.pptx
@@ -610,7 +610,7 @@
           <a:p>
             <a:fld id="{9D8A2B0D-E315-41D0-B099-3ED602A8C128}" type="datetimeFigureOut">
               <a:rPr lang="en-US" smtClean="0"/>
-              <a:t>7/2/2024</a:t>
+              <a:t>7/3/2024</a:t>
             </a:fld>
             <a:endParaRPr lang="en-US"/>
           </a:p>
@@ -1957,7 +1957,7 @@
           <a:p>
             <a:fld id="{9D8A2B0D-E315-41D0-B099-3ED602A8C128}" type="datetimeFigureOut">
               <a:rPr lang="en-US" smtClean="0"/>
-              <a:t>7/2/2024</a:t>
+              <a:t>7/3/2024</a:t>
             </a:fld>
             <a:endParaRPr lang="en-US"/>
           </a:p>
@@ -2959,14 +2959,117 @@
         </p:nvSpPr>
         <p:spPr>
           <a:xfrm>
-            <a:off x="838200" y="1195755"/>
-            <a:ext cx="10515600" cy="4653508"/>
-          </a:xfrm>
-        </p:spPr>
-        <p:txBody>
-          <a:bodyPr/>
+            <a:off x="838200" y="1195754"/>
+            <a:ext cx="10515600" cy="4824045"/>
+          </a:xfrm>
+        </p:spPr>
+        <p:txBody>
+          <a:bodyPr>
+            <a:normAutofit fontScale="92500" lnSpcReduction="10000"/>
+          </a:bodyPr>
           <a:lstStyle/>
           <a:p>
+            <a:r>
+              <a:rPr lang="en-US" sz="2600"/>
+              <a:t>Vulnerabilities can occur in any programming language</a:t>
+            </a:r>
+          </a:p>
+          <a:p>
+            <a:pPr>
+              <a:lnSpc>
+                <a:spcPct val="120000"/>
+              </a:lnSpc>
+            </a:pPr>
+            <a:r>
+              <a:rPr lang="en-US" sz="2600"/>
+              <a:t>Python is a great example because it is  so widely used, especially in data science </a:t>
+            </a:r>
+          </a:p>
+          <a:p>
+            <a:pPr lvl="1">
+              <a:lnSpc>
+                <a:spcPct val="120000"/>
+              </a:lnSpc>
+            </a:pPr>
+            <a:r>
+              <a:rPr lang="en-US" sz="2200"/>
+              <a:t>People of all skill levels are using it, so risks are more pronounced</a:t>
+            </a:r>
+          </a:p>
+          <a:p>
+            <a:r>
+              <a:rPr lang="en-US" sz="2600"/>
+              <a:t>Examples of recently reported vulnerabilities in open source Python tools:</a:t>
+            </a:r>
+          </a:p>
+          <a:p>
+            <a:pPr marL="457200" indent="0">
+              <a:buNone/>
+            </a:pPr>
+            <a:r>
+              <a:rPr lang="en-US" sz="2600">
+                <a:hlinkClick r:id="rId2"/>
+              </a:rPr>
+              <a:t>https://thehackernews.com/2024/02/new-malicious-pypi-packages-caught.html</a:t>
+            </a:r>
+            <a:endParaRPr lang="en-US" sz="2600"/>
+          </a:p>
+          <a:p>
+            <a:pPr marL="914400" lvl="1" indent="0">
+              <a:buNone/>
+            </a:pPr>
+            <a:r>
+              <a:rPr lang="en-US" b="1"/>
+              <a:t>New Malicious PyPI Packages Caught Using Covert Side-Loading Tactics</a:t>
+            </a:r>
+          </a:p>
+          <a:p>
+            <a:pPr marL="457200" indent="0">
+              <a:buNone/>
+            </a:pPr>
+            <a:r>
+              <a:rPr lang="en-US" sz="2600">
+                <a:hlinkClick r:id="rId3"/>
+              </a:rPr>
+              <a:t>https://www.sonatype.com/blog/top-8-malicious-attacks-recently-found-on-pypi </a:t>
+            </a:r>
+            <a:endParaRPr lang="en-US" sz="2600"/>
+          </a:p>
+          <a:p>
+            <a:pPr marL="914400" lvl="2" indent="0">
+              <a:buNone/>
+            </a:pPr>
+            <a:r>
+              <a:rPr lang="en-US" sz="2300" b="1"/>
+              <a:t>RAT (Remote Access Trojan) Mutants</a:t>
+            </a:r>
+          </a:p>
+          <a:p>
+            <a:pPr marL="914400" lvl="2" indent="0">
+              <a:buNone/>
+            </a:pPr>
+            <a:r>
+              <a:rPr lang="en-US" sz="2300" b="1"/>
+              <a:t>PyTorch Namespace Confusion Attack</a:t>
+            </a:r>
+          </a:p>
+          <a:p>
+            <a:pPr marL="914400" lvl="2" indent="0">
+              <a:buNone/>
+            </a:pPr>
+            <a:r>
+              <a:rPr lang="en-US" sz="2300" b="1"/>
+              <a:t>GTA 5 Multihack Site</a:t>
+            </a:r>
+            <a:r>
+              <a:rPr lang="en-US" sz="2600"/>
+              <a:t> </a:t>
+            </a:r>
+          </a:p>
+          <a:p>
+            <a:pPr marL="457200" lvl="1" indent="0">
+              <a:buNone/>
+            </a:pPr>
             <a:endParaRPr lang="en-US"/>
           </a:p>
         </p:txBody>
@@ -3060,9 +3163,97 @@
           </a:xfrm>
         </p:spPr>
         <p:txBody>
-          <a:bodyPr/>
+          <a:bodyPr>
+            <a:normAutofit fontScale="92500"/>
+          </a:bodyPr>
           <a:lstStyle/>
           <a:p>
+            <a:r>
+              <a:rPr lang="en-US"/>
+              <a:t>A </a:t>
+            </a:r>
+            <a:r>
+              <a:rPr lang="en-US" b="1"/>
+              <a:t>Software Bill of Materials (SBOM) </a:t>
+            </a:r>
+            <a:r>
+              <a:rPr lang="en-US"/>
+              <a:t>is a detailed inventory of all components, libraries, and dependencies used by a software application</a:t>
+            </a:r>
+          </a:p>
+          <a:p>
+            <a:r>
+              <a:rPr lang="en-US"/>
+              <a:t>It provides a comprehensive record which lists open-source, proprietary, and third-party components</a:t>
+            </a:r>
+          </a:p>
+          <a:p>
+            <a:r>
+              <a:rPr lang="en-US"/>
+              <a:t>It contains component metadata, including version numbers, licenses, and source information</a:t>
+            </a:r>
+          </a:p>
+          <a:p>
+            <a:r>
+              <a:rPr lang="en-US"/>
+              <a:t>SBOMs promote visibility into the software supply chain</a:t>
+            </a:r>
+          </a:p>
+          <a:p>
+            <a:r>
+              <a:rPr lang="en-US"/>
+              <a:t>Used in conjunction with scanning tools to identify components with known security issues</a:t>
+            </a:r>
+          </a:p>
+          <a:p>
+            <a:r>
+              <a:rPr lang="en-US"/>
+              <a:t>Popular SBOM generators include </a:t>
+            </a:r>
+            <a:r>
+              <a:rPr lang="en-US" b="1"/>
+              <a:t>CycloneDX</a:t>
+            </a:r>
+            <a:r>
+              <a:rPr lang="en-US"/>
+              <a:t>, </a:t>
+            </a:r>
+            <a:r>
+              <a:rPr lang="en-US" b="1"/>
+              <a:t>SPDX</a:t>
+            </a:r>
+            <a:r>
+              <a:rPr lang="en-US"/>
+              <a:t>, </a:t>
+            </a:r>
+            <a:r>
+              <a:rPr lang="en-US" b="1"/>
+              <a:t>OWASP Dependency-Track</a:t>
+            </a:r>
+            <a:r>
+              <a:rPr lang="en-US"/>
+              <a:t>, </a:t>
+            </a:r>
+            <a:r>
+              <a:rPr lang="en-US" b="1"/>
+              <a:t>Syft</a:t>
+            </a:r>
+            <a:r>
+              <a:rPr lang="en-US"/>
+              <a:t>, </a:t>
+            </a:r>
+            <a:r>
+              <a:rPr lang="en-US" b="1"/>
+              <a:t>Anchore</a:t>
+            </a:r>
+            <a:r>
+              <a:rPr lang="en-US"/>
+              <a:t>, and </a:t>
+            </a:r>
+            <a:r>
+              <a:rPr lang="en-US" b="1"/>
+              <a:t>FOSSA</a:t>
+            </a:r>
             <a:endParaRPr lang="en-US"/>
           </a:p>
         </p:txBody>
@@ -3156,9 +3347,91 @@
           </a:xfrm>
         </p:spPr>
         <p:txBody>
-          <a:bodyPr/>
+          <a:bodyPr>
+            <a:normAutofit/>
+          </a:bodyPr>
           <a:lstStyle/>
           <a:p>
+            <a:r>
+              <a:rPr lang="en-US"/>
+              <a:t>Open source scanning tools scan software codebases to identify open-source components and their licenses</a:t>
+            </a:r>
+          </a:p>
+          <a:p>
+            <a:r>
+              <a:rPr lang="en-US"/>
+              <a:t>The tools find known vulnerabilities in open-source libraries and dependencies</a:t>
+            </a:r>
+          </a:p>
+          <a:p>
+            <a:r>
+              <a:rPr lang="en-US"/>
+              <a:t>They ensures compliance with open-source licenses and legal requirements</a:t>
+            </a:r>
+          </a:p>
+          <a:p>
+            <a:r>
+              <a:rPr lang="en-US"/>
+              <a:t>The tools assess and manage potential risks associated with using open-source software</a:t>
+            </a:r>
+          </a:p>
+          <a:p>
+            <a:r>
+              <a:rPr lang="en-US"/>
+              <a:t>Popular scanning tools include </a:t>
+            </a:r>
+            <a:r>
+              <a:rPr lang="en-US" b="1"/>
+              <a:t>Sonatype Nexus IQ</a:t>
+            </a:r>
+            <a:r>
+              <a:rPr lang="en-US"/>
+              <a:t>, </a:t>
+            </a:r>
+            <a:r>
+              <a:rPr lang="en-US" b="1"/>
+              <a:t>Snyk</a:t>
+            </a:r>
+            <a:r>
+              <a:rPr lang="en-US"/>
+              <a:t>, </a:t>
+            </a:r>
+            <a:r>
+              <a:rPr lang="en-US" b="1"/>
+              <a:t>Black Duck</a:t>
+            </a:r>
+            <a:r>
+              <a:rPr lang="en-US"/>
+              <a:t>, </a:t>
+            </a:r>
+            <a:r>
+              <a:rPr lang="en-US" b="1"/>
+              <a:t>OWASP Dependency-Check</a:t>
+            </a:r>
+            <a:r>
+              <a:rPr lang="en-US"/>
+              <a:t>, </a:t>
+            </a:r>
+            <a:r>
+              <a:rPr lang="en-US" b="1"/>
+              <a:t>WhiteSource</a:t>
+            </a:r>
+            <a:r>
+              <a:rPr lang="en-US"/>
+              <a:t>, </a:t>
+            </a:r>
+            <a:r>
+              <a:rPr lang="en-US" b="1"/>
+              <a:t>Trivy</a:t>
+            </a:r>
+            <a:r>
+              <a:rPr lang="en-US"/>
+              <a:t>, and </a:t>
+            </a:r>
+            <a:r>
+              <a:rPr lang="en-US" b="1"/>
+              <a:t>Clair</a:t>
+            </a:r>
             <a:endParaRPr lang="en-US"/>
           </a:p>
         </p:txBody>
@@ -3252,10 +3525,55 @@
           </a:xfrm>
         </p:spPr>
         <p:txBody>
-          <a:bodyPr/>
+          <a:bodyPr>
+            <a:normAutofit/>
+          </a:bodyPr>
           <a:lstStyle/>
           <a:p>
-            <a:endParaRPr lang="en-US"/>
+            <a:r>
+              <a:rPr lang="en-US"/>
+              <a:t>Create the project SBOM (includes components, dependencies, and  metadata)</a:t>
+            </a:r>
+          </a:p>
+          <a:p>
+            <a:r>
+              <a:rPr lang="en-US"/>
+              <a:t>Configure the scanner to use the generated SBOM</a:t>
+            </a:r>
+          </a:p>
+          <a:p>
+            <a:r>
+              <a:rPr lang="en-US"/>
+              <a:t>The scanner cross-references SBOM data with vulnerability databases </a:t>
+            </a:r>
+          </a:p>
+          <a:p>
+            <a:pPr marL="914400" indent="0">
+              <a:buNone/>
+            </a:pPr>
+            <a:r>
+              <a:rPr lang="en-US" sz="2400"/>
+              <a:t>e.g., </a:t>
+            </a:r>
+            <a:r>
+              <a:rPr lang="en-US" sz="2400" b="1"/>
+              <a:t>National Vulnerability Database (NVD), Common Vulnerabilities and Exposures (CVE), OSS Index, GitHub Advisory Database, Snyk Vulnerability Database </a:t>
+            </a:r>
+          </a:p>
+          <a:p>
+            <a:pPr indent="0">
+              <a:buNone/>
+            </a:pPr>
+            <a:r>
+              <a:rPr lang="en-US"/>
+              <a:t>to identify known issues</a:t>
+            </a:r>
+          </a:p>
+          <a:p>
+            <a:r>
+              <a:rPr lang="en-US"/>
+              <a:t>A detailed report is generated highlighting vulnerabilities and providing actionable insights for remediation and updates.</a:t>
+            </a:r>
           </a:p>
         </p:txBody>
       </p:sp>
@@ -3348,8 +3666,52 @@
           </a:xfrm>
         </p:spPr>
         <p:txBody>
-          <a:bodyPr/>
+          <a:bodyPr>
+            <a:normAutofit/>
+          </a:bodyPr>
           <a:lstStyle/>
+          <a:p>
+            <a:r>
+              <a:rPr lang="en-US"/>
+              <a:t>The following example demonstrates how to perform a scan.</a:t>
+            </a:r>
+          </a:p>
+          <a:p>
+            <a:r>
+              <a:rPr lang="en-US"/>
+              <a:t>Scenario: You are developing a machine learning model using TensorFlow, a widely-used open source machine learning library.</a:t>
+            </a:r>
+          </a:p>
+          <a:p>
+            <a:pPr marL="914400" indent="-288925">
+              <a:buFont typeface="+mj-lt"/>
+              <a:buAutoNum type="arabicPeriod"/>
+            </a:pPr>
+            <a:r>
+              <a:rPr lang="en-US"/>
+              <a:t>Run the scanning tool to identify known vulnerabilities in the TensorFlow library and its dependencies.</a:t>
+            </a:r>
+          </a:p>
+          <a:p>
+            <a:pPr marL="914400" indent="-288925">
+              <a:buFont typeface="+mj-lt"/>
+              <a:buAutoNum type="arabicPeriod"/>
+            </a:pPr>
+            <a:r>
+              <a:rPr lang="en-US"/>
+              <a:t>The scan detects critical vulnerabilities in specific versions of TensorFlow and dependencies that could allow remote code execution.</a:t>
+            </a:r>
+          </a:p>
+          <a:p>
+            <a:pPr marL="914400" indent="-288925">
+              <a:buFont typeface="+mj-lt"/>
+              <a:buAutoNum type="arabicPeriod"/>
+            </a:pPr>
+            <a:r>
+              <a:rPr lang="en-US"/>
+              <a:t>Based on the scan results, update TensorFlow to a version where the vulnerability is patched.</a:t>
+            </a:r>
+          </a:p>
           <a:p>
             <a:endParaRPr lang="en-US"/>
           </a:p>
@@ -3444,9 +3806,50 @@
           </a:xfrm>
         </p:spPr>
         <p:txBody>
-          <a:bodyPr/>
+          <a:bodyPr>
+            <a:normAutofit/>
+          </a:bodyPr>
           <a:lstStyle/>
           <a:p>
+            <a:r>
+              <a:rPr lang="en-US" sz="2400"/>
+              <a:t>Additional steps: Implement continuous scanning in your CI/CD pipeline to monitor for new vulnerabilities in dependencies.</a:t>
+            </a:r>
+          </a:p>
+          <a:p>
+            <a:r>
+              <a:rPr lang="en-US" sz="2400"/>
+              <a:t>The scan also checks for licensing issues, ensuring all components comply with your project's license policy.</a:t>
+            </a:r>
+          </a:p>
+          <a:p>
+            <a:pPr marL="228600" lvl="2">
+              <a:lnSpc>
+                <a:spcPct val="120000"/>
+              </a:lnSpc>
+            </a:pPr>
+            <a:r>
+              <a:rPr lang="en-US" sz="2400"/>
+              <a:t>Active community maintenance efforts help in promptly addressing vulnerabilities, but the risk is still non-zero. </a:t>
+            </a:r>
+          </a:p>
+          <a:p>
+            <a:pPr marL="228600" lvl="2">
+              <a:lnSpc>
+                <a:spcPct val="120000"/>
+              </a:lnSpc>
+            </a:pPr>
+            <a:r>
+              <a:rPr lang="en-US" sz="2400"/>
+              <a:t>To mitigate risks, it is essential to use latest versions, apply security patches, and perform regular vulnerability scans</a:t>
+            </a:r>
+          </a:p>
+          <a:p>
+            <a:pPr marL="228600" lvl="2">
+              <a:lnSpc>
+                <a:spcPct val="120000"/>
+              </a:lnSpc>
+            </a:pPr>
             <a:endParaRPr lang="en-US"/>
           </a:p>
         </p:txBody>

--- a/SWC2024-LunchPreso/ProtectYourPython.pptx
+++ b/SWC2024-LunchPreso/ProtectYourPython.pptx
@@ -9,10 +9,13 @@
     <p:sldId id="278" r:id="rId3"/>
     <p:sldId id="279" r:id="rId4"/>
     <p:sldId id="280" r:id="rId5"/>
-    <p:sldId id="281" r:id="rId6"/>
-    <p:sldId id="282" r:id="rId7"/>
-    <p:sldId id="283" r:id="rId8"/>
-    <p:sldId id="284" r:id="rId9"/>
+    <p:sldId id="285" r:id="rId6"/>
+    <p:sldId id="281" r:id="rId7"/>
+    <p:sldId id="282" r:id="rId8"/>
+    <p:sldId id="283" r:id="rId9"/>
+    <p:sldId id="287" r:id="rId10"/>
+    <p:sldId id="288" r:id="rId11"/>
+    <p:sldId id="284" r:id="rId12"/>
   </p:sldIdLst>
   <p:sldSz cx="12192000" cy="6858000"/>
   <p:notesSz cx="6858000" cy="9144000"/>
@@ -610,7 +613,7 @@
           <a:p>
             <a:fld id="{9D8A2B0D-E315-41D0-B099-3ED602A8C128}" type="datetimeFigureOut">
               <a:rPr lang="en-US" smtClean="0"/>
-              <a:t>7/3/2024</a:t>
+              <a:t>7/10/2024</a:t>
             </a:fld>
             <a:endParaRPr lang="en-US"/>
           </a:p>
@@ -1957,7 +1960,7 @@
           <a:p>
             <a:fld id="{9D8A2B0D-E315-41D0-B099-3ED602A8C128}" type="datetimeFigureOut">
               <a:rPr lang="en-US" smtClean="0"/>
-              <a:t>7/3/2024</a:t>
+              <a:t>7/10/2024</a:t>
             </a:fld>
             <a:endParaRPr lang="en-US"/>
           </a:p>
@@ -2742,6 +2745,497 @@
 </p:sld>
 </file>
 
+<file path=ppt/slides/slide10.xml><?xml version="1.0" encoding="utf-8"?>
+<p:sld xmlns:a="http://schemas.openxmlformats.org/drawingml/2006/main" xmlns:r="http://schemas.openxmlformats.org/officeDocument/2006/relationships" xmlns:p="http://schemas.openxmlformats.org/presentationml/2006/main">
+  <p:cSld>
+    <p:spTree>
+      <p:nvGrpSpPr>
+        <p:cNvPr id="1" name=""/>
+        <p:cNvGrpSpPr/>
+        <p:nvPr/>
+      </p:nvGrpSpPr>
+      <p:grpSpPr>
+        <a:xfrm>
+          <a:off x="0" y="0"/>
+          <a:ext cx="0" cy="0"/>
+          <a:chOff x="0" y="0"/>
+          <a:chExt cx="0" cy="0"/>
+        </a:xfrm>
+      </p:grpSpPr>
+      <p:sp>
+        <p:nvSpPr>
+          <p:cNvPr id="3" name="Content Placeholder 2">
+            <a:extLst>
+              <a:ext uri="{FF2B5EF4-FFF2-40B4-BE49-F238E27FC236}">
+                <a16:creationId xmlns:a16="http://schemas.microsoft.com/office/drawing/2014/main" id="{6E449BAC-DDB7-1939-D3ED-84004CEABAA5}"/>
+              </a:ext>
+            </a:extLst>
+          </p:cNvPr>
+          <p:cNvSpPr>
+            <a:spLocks noGrp="1"/>
+          </p:cNvSpPr>
+          <p:nvPr>
+            <p:ph idx="1"/>
+          </p:nvPr>
+        </p:nvSpPr>
+        <p:spPr>
+          <a:xfrm>
+            <a:off x="838200" y="289560"/>
+            <a:ext cx="11064630" cy="5559703"/>
+          </a:xfrm>
+        </p:spPr>
+        <p:txBody>
+          <a:bodyPr>
+            <a:normAutofit fontScale="92500" lnSpcReduction="10000"/>
+          </a:bodyPr>
+          <a:lstStyle/>
+          <a:p>
+            <a:pPr marL="0" indent="0">
+              <a:lnSpc>
+                <a:spcPct val="120000"/>
+              </a:lnSpc>
+              <a:buNone/>
+            </a:pPr>
+            <a:r>
+              <a:rPr lang="en-US" sz="1400" b="1">
+                <a:latin typeface="Consolas" panose="020B0609020204030204" pitchFamily="49" charset="0"/>
+              </a:rPr>
+              <a:t>C:\&gt; trivy sbom sbom.json</a:t>
+            </a:r>
+            <a:br>
+              <a:rPr lang="en-US" sz="1400" b="1">
+                <a:latin typeface="Consolas" panose="020B0609020204030204" pitchFamily="49" charset="0"/>
+              </a:rPr>
+            </a:br>
+            <a:r>
+              <a:rPr lang="en-US" sz="1400" b="1">
+                <a:latin typeface="Consolas" panose="020B0609020204030204" pitchFamily="49" charset="0"/>
+              </a:rPr>
+              <a:t>2024-07-10T14:02:01-04:00 INFO Vulnerability scanning is enabled</a:t>
+            </a:r>
+            <a:br>
+              <a:rPr lang="en-US" sz="1400" b="1">
+                <a:latin typeface="Consolas" panose="020B0609020204030204" pitchFamily="49" charset="0"/>
+              </a:rPr>
+            </a:br>
+            <a:r>
+              <a:rPr lang="en-US" sz="1400" b="1">
+                <a:latin typeface="Consolas" panose="020B0609020204030204" pitchFamily="49" charset="0"/>
+              </a:rPr>
+              <a:t>2024-07-10T14:02:01-04:00 INFO Detected SBOM format format="cyclonedx-json"</a:t>
+            </a:r>
+            <a:br>
+              <a:rPr lang="en-US" sz="1400" b="1">
+                <a:latin typeface="Consolas" panose="020B0609020204030204" pitchFamily="49" charset="0"/>
+              </a:rPr>
+            </a:br>
+            <a:r>
+              <a:rPr lang="en-US" sz="1400" b="1">
+                <a:latin typeface="Consolas" panose="020B0609020204030204" pitchFamily="49" charset="0"/>
+              </a:rPr>
+              <a:t>2024-07-10T14:02:01-04:00 WARN Third-party SBOM may lead to inaccurate vulnerability detection</a:t>
+            </a:r>
+            <a:br>
+              <a:rPr lang="en-US" sz="1400" b="1">
+                <a:latin typeface="Consolas" panose="020B0609020204030204" pitchFamily="49" charset="0"/>
+              </a:rPr>
+            </a:br>
+            <a:r>
+              <a:rPr lang="en-US" sz="1400" b="1">
+                <a:latin typeface="Consolas" panose="020B0609020204030204" pitchFamily="49" charset="0"/>
+              </a:rPr>
+              <a:t>2024-07-10T14:02:01-04:00 WARN Recommend using Trivy to generate SBOMs</a:t>
+            </a:r>
+            <a:br>
+              <a:rPr lang="en-US" sz="1400" b="1">
+                <a:latin typeface="Consolas" panose="020B0609020204030204" pitchFamily="49" charset="0"/>
+              </a:rPr>
+            </a:br>
+            <a:r>
+              <a:rPr lang="en-US" sz="1400" b="1">
+                <a:latin typeface="Consolas" panose="020B0609020204030204" pitchFamily="49" charset="0"/>
+              </a:rPr>
+              <a:t>2024-07-10T14:02:01-04:00 INFO Number of language-specific files num=1</a:t>
+            </a:r>
+            <a:br>
+              <a:rPr lang="en-US" sz="1400" b="1">
+                <a:latin typeface="Consolas" panose="020B0609020204030204" pitchFamily="49" charset="0"/>
+              </a:rPr>
+            </a:br>
+            <a:r>
+              <a:rPr lang="en-US" sz="1400" b="1">
+                <a:latin typeface="Consolas" panose="020B0609020204030204" pitchFamily="49" charset="0"/>
+              </a:rPr>
+              <a:t>2024-07-10T14:02:01-04:00 INFO [python-pkg] Detecting vulnerabilities...</a:t>
+            </a:r>
+            <a:br>
+              <a:rPr lang="en-US" sz="1400" b="1">
+                <a:latin typeface="Consolas" panose="020B0609020204030204" pitchFamily="49" charset="0"/>
+              </a:rPr>
+            </a:br>
+            <a:r>
+              <a:rPr lang="en-US" sz="1400" b="1">
+                <a:latin typeface="Consolas" panose="020B0609020204030204" pitchFamily="49" charset="0"/>
+              </a:rPr>
+              <a:t>Python (python-pkg)</a:t>
+            </a:r>
+            <a:br>
+              <a:rPr lang="en-US" sz="1400" b="1">
+                <a:latin typeface="Consolas" panose="020B0609020204030204" pitchFamily="49" charset="0"/>
+              </a:rPr>
+            </a:br>
+            <a:r>
+              <a:rPr lang="en-US" sz="1400" b="1">
+                <a:latin typeface="Consolas" panose="020B0609020204030204" pitchFamily="49" charset="0"/>
+              </a:rPr>
+              <a:t>===================</a:t>
+            </a:r>
+            <a:br>
+              <a:rPr lang="en-US" sz="1400" b="1"/>
+            </a:br>
+            <a:r>
+              <a:rPr lang="en-US" sz="1400" b="1">
+                <a:latin typeface="Consolas" panose="020B0609020204030204" pitchFamily="49" charset="0"/>
+              </a:rPr>
+              <a:t>Total: 2 (UNKNOWN: 0, LOW: 0, MEDIUM: 2, HIGH: 0, CRITICAL: 0)</a:t>
+            </a:r>
+            <a:br>
+              <a:rPr lang="en-US" sz="1400" b="1">
+                <a:latin typeface="Consolas" panose="020B0609020204030204" pitchFamily="49" charset="0"/>
+              </a:rPr>
+            </a:br>
+            <a:r>
+              <a:rPr lang="en-US" sz="1400" b="1">
+                <a:latin typeface="Consolas" panose="020B0609020204030204" pitchFamily="49" charset="0"/>
+              </a:rPr>
+              <a:t>Library: requests</a:t>
+            </a:r>
+            <a:br>
+              <a:rPr lang="en-US" sz="1400" b="1">
+                <a:latin typeface="Consolas" panose="020B0609020204030204" pitchFamily="49" charset="0"/>
+              </a:rPr>
+            </a:br>
+            <a:r>
+              <a:rPr lang="en-US" sz="1400" b="1">
+                <a:latin typeface="Consolas" panose="020B0609020204030204" pitchFamily="49" charset="0"/>
+              </a:rPr>
+              <a:t>Vulnerability: CVE-2024-35195</a:t>
+            </a:r>
+            <a:br>
+              <a:rPr lang="en-US" sz="1400" b="1">
+                <a:latin typeface="Consolas" panose="020B0609020204030204" pitchFamily="49" charset="0"/>
+              </a:rPr>
+            </a:br>
+            <a:r>
+              <a:rPr lang="en-US" sz="1400" b="1">
+                <a:latin typeface="Consolas" panose="020B0609020204030204" pitchFamily="49" charset="0"/>
+              </a:rPr>
+              <a:t>Sev: MEDIUM</a:t>
+            </a:r>
+            <a:br>
+              <a:rPr lang="en-US" sz="1400" b="1">
+                <a:latin typeface="Consolas" panose="020B0609020204030204" pitchFamily="49" charset="0"/>
+              </a:rPr>
+            </a:br>
+            <a:r>
+              <a:rPr lang="en-US" sz="1400" b="1">
+                <a:latin typeface="Consolas" panose="020B0609020204030204" pitchFamily="49" charset="0"/>
+              </a:rPr>
+              <a:t>Installed Version: 2.31.0</a:t>
+            </a:r>
+            <a:br>
+              <a:rPr lang="en-US" sz="1400" b="1">
+                <a:latin typeface="Consolas" panose="020B0609020204030204" pitchFamily="49" charset="0"/>
+              </a:rPr>
+            </a:br>
+            <a:r>
+              <a:rPr lang="en-US" sz="1400" b="1">
+                <a:latin typeface="Consolas" panose="020B0609020204030204" pitchFamily="49" charset="0"/>
+              </a:rPr>
+              <a:t>Fixed Version: 2.32.0</a:t>
+            </a:r>
+            <a:br>
+              <a:rPr lang="en-US" sz="1400" b="1">
+                <a:latin typeface="Consolas" panose="020B0609020204030204" pitchFamily="49" charset="0"/>
+              </a:rPr>
+            </a:br>
+            <a:r>
+              <a:rPr lang="en-US" sz="1400" b="1">
+                <a:latin typeface="Consolas" panose="020B0609020204030204" pitchFamily="49" charset="0"/>
+              </a:rPr>
+              <a:t>Title: requests: subsequent requests to the same host ignore cert</a:t>
+            </a:r>
+            <a:br>
+              <a:rPr lang="en-US" sz="1400" b="1">
+                <a:latin typeface="Consolas" panose="020B0609020204030204" pitchFamily="49" charset="0"/>
+              </a:rPr>
+            </a:br>
+            <a:r>
+              <a:rPr lang="en-US" sz="1400" b="1">
+                <a:latin typeface="Consolas" panose="020B0609020204030204" pitchFamily="49" charset="0"/>
+              </a:rPr>
+              <a:t>Verification: https://avd.aquasec.com/nvd/cve-2024-35195</a:t>
+            </a:r>
+            <a:br>
+              <a:rPr lang="en-US" sz="1400" b="1">
+                <a:latin typeface="Consolas" panose="020B0609020204030204" pitchFamily="49" charset="0"/>
+              </a:rPr>
+            </a:br>
+            <a:r>
+              <a:rPr lang="en-US" sz="1400" b="1">
+                <a:latin typeface="Consolas" panose="020B0609020204030204" pitchFamily="49" charset="0"/>
+              </a:rPr>
+              <a:t>===================</a:t>
+            </a:r>
+            <a:br>
+              <a:rPr lang="en-US" sz="1400" b="1">
+                <a:latin typeface="Consolas" panose="020B0609020204030204" pitchFamily="49" charset="0"/>
+              </a:rPr>
+            </a:br>
+            <a:r>
+              <a:rPr lang="en-US" sz="1400" b="1">
+                <a:latin typeface="Consolas" panose="020B0609020204030204" pitchFamily="49" charset="0"/>
+              </a:rPr>
+              <a:t>Library: scikit-learn</a:t>
+            </a:r>
+            <a:br>
+              <a:rPr lang="en-US" sz="1400" b="1">
+                <a:latin typeface="Consolas" panose="020B0609020204030204" pitchFamily="49" charset="0"/>
+              </a:rPr>
+            </a:br>
+            <a:r>
+              <a:rPr lang="en-US" sz="1400" b="1">
+                <a:latin typeface="Consolas" panose="020B0609020204030204" pitchFamily="49" charset="0"/>
+              </a:rPr>
+              <a:t>Vulnerability: CVE-2024-5206</a:t>
+            </a:r>
+            <a:br>
+              <a:rPr lang="en-US" sz="1400" b="1">
+                <a:latin typeface="Consolas" panose="020B0609020204030204" pitchFamily="49" charset="0"/>
+              </a:rPr>
+            </a:br>
+            <a:r>
+              <a:rPr lang="en-US" sz="1400" b="1">
+                <a:latin typeface="Consolas" panose="020B0609020204030204" pitchFamily="49" charset="0"/>
+              </a:rPr>
+              <a:t>Sev: MEDIUM</a:t>
+            </a:r>
+            <a:br>
+              <a:rPr lang="en-US" sz="1400" b="1">
+                <a:latin typeface="Consolas" panose="020B0609020204030204" pitchFamily="49" charset="0"/>
+              </a:rPr>
+            </a:br>
+            <a:r>
+              <a:rPr lang="en-US" sz="1400" b="1">
+                <a:latin typeface="Consolas" panose="020B0609020204030204" pitchFamily="49" charset="0"/>
+              </a:rPr>
+              <a:t>Installed Version: 1.3.1</a:t>
+            </a:r>
+            <a:br>
+              <a:rPr lang="en-US" sz="1400" b="1">
+                <a:latin typeface="Consolas" panose="020B0609020204030204" pitchFamily="49" charset="0"/>
+              </a:rPr>
+            </a:br>
+            <a:r>
+              <a:rPr lang="en-US" sz="1400" b="1">
+                <a:latin typeface="Consolas" panose="020B0609020204030204" pitchFamily="49" charset="0"/>
+              </a:rPr>
+              <a:t>Fixed Version: 1.5.0</a:t>
+            </a:r>
+            <a:br>
+              <a:rPr lang="en-US" sz="1400" b="1">
+                <a:latin typeface="Consolas" panose="020B0609020204030204" pitchFamily="49" charset="0"/>
+              </a:rPr>
+            </a:br>
+            <a:r>
+              <a:rPr lang="en-US" sz="1400" b="1">
+                <a:latin typeface="Consolas" panose="020B0609020204030204" pitchFamily="49" charset="0"/>
+              </a:rPr>
+              <a:t>Title: scikit-learn: Possible sensitive data leak </a:t>
+            </a:r>
+            <a:br>
+              <a:rPr lang="en-US" sz="1400" b="1">
+                <a:latin typeface="Consolas" panose="020B0609020204030204" pitchFamily="49" charset="0"/>
+              </a:rPr>
+            </a:br>
+            <a:r>
+              <a:rPr lang="en-US" sz="1400" b="1">
+                <a:latin typeface="Consolas" panose="020B0609020204030204" pitchFamily="49" charset="0"/>
+              </a:rPr>
+              <a:t>Verification: https://avd.aquasec.com/nvd/cve-2024-5206</a:t>
+            </a:r>
+          </a:p>
+        </p:txBody>
+      </p:sp>
+    </p:spTree>
+    <p:extLst>
+      <p:ext uri="{BB962C8B-B14F-4D97-AF65-F5344CB8AC3E}">
+        <p14:creationId xmlns:p14="http://schemas.microsoft.com/office/powerpoint/2010/main" val="2785708762"/>
+      </p:ext>
+    </p:extLst>
+  </p:cSld>
+  <p:clrMapOvr>
+    <a:masterClrMapping/>
+  </p:clrMapOvr>
+</p:sld>
+</file>
+
+<file path=ppt/slides/slide11.xml><?xml version="1.0" encoding="utf-8"?>
+<p:sld xmlns:a="http://schemas.openxmlformats.org/drawingml/2006/main" xmlns:r="http://schemas.openxmlformats.org/officeDocument/2006/relationships" xmlns:p="http://schemas.openxmlformats.org/presentationml/2006/main">
+  <p:cSld>
+    <p:spTree>
+      <p:nvGrpSpPr>
+        <p:cNvPr id="1" name=""/>
+        <p:cNvGrpSpPr/>
+        <p:nvPr/>
+      </p:nvGrpSpPr>
+      <p:grpSpPr>
+        <a:xfrm>
+          <a:off x="0" y="0"/>
+          <a:ext cx="0" cy="0"/>
+          <a:chOff x="0" y="0"/>
+          <a:chExt cx="0" cy="0"/>
+        </a:xfrm>
+      </p:grpSpPr>
+      <p:sp>
+        <p:nvSpPr>
+          <p:cNvPr id="2" name="Title 1">
+            <a:extLst>
+              <a:ext uri="{FF2B5EF4-FFF2-40B4-BE49-F238E27FC236}">
+                <a16:creationId xmlns:a16="http://schemas.microsoft.com/office/drawing/2014/main" id="{C0C06F00-AA35-D769-ADCB-BEABBB92EDA0}"/>
+              </a:ext>
+            </a:extLst>
+          </p:cNvPr>
+          <p:cNvSpPr>
+            <a:spLocks noGrp="1"/>
+          </p:cNvSpPr>
+          <p:nvPr>
+            <p:ph type="title"/>
+          </p:nvPr>
+        </p:nvSpPr>
+        <p:spPr>
+          <a:xfrm>
+            <a:off x="838199" y="336063"/>
+            <a:ext cx="11064631" cy="859691"/>
+          </a:xfrm>
+        </p:spPr>
+        <p:txBody>
+          <a:bodyPr/>
+          <a:lstStyle/>
+          <a:p>
+            <a:pPr marL="0" indent="0">
+              <a:buNone/>
+            </a:pPr>
+            <a:r>
+              <a:rPr lang="en-US"/>
+              <a:t>Conclusion/Q&amp;A</a:t>
+            </a:r>
+          </a:p>
+        </p:txBody>
+      </p:sp>
+      <p:sp>
+        <p:nvSpPr>
+          <p:cNvPr id="3" name="Content Placeholder 2">
+            <a:extLst>
+              <a:ext uri="{FF2B5EF4-FFF2-40B4-BE49-F238E27FC236}">
+                <a16:creationId xmlns:a16="http://schemas.microsoft.com/office/drawing/2014/main" id="{6E449BAC-DDB7-1939-D3ED-84004CEABAA5}"/>
+              </a:ext>
+            </a:extLst>
+          </p:cNvPr>
+          <p:cNvSpPr>
+            <a:spLocks noGrp="1"/>
+          </p:cNvSpPr>
+          <p:nvPr>
+            <p:ph idx="1"/>
+          </p:nvPr>
+        </p:nvSpPr>
+        <p:spPr>
+          <a:xfrm>
+            <a:off x="838200" y="1195755"/>
+            <a:ext cx="11064630" cy="4653508"/>
+          </a:xfrm>
+        </p:spPr>
+        <p:txBody>
+          <a:bodyPr>
+            <a:normAutofit fontScale="92500" lnSpcReduction="10000"/>
+          </a:bodyPr>
+          <a:lstStyle/>
+          <a:p>
+            <a:r>
+              <a:rPr lang="en-US"/>
+              <a:t>Based on the scan results, the modules can be updated to versions where the vulnerabilities are patched</a:t>
+            </a:r>
+          </a:p>
+          <a:p>
+            <a:r>
+              <a:rPr lang="en-US"/>
+              <a:t>Scanning tools can also check for licensing issues, ensuring all components comply with project license policies.</a:t>
+            </a:r>
+          </a:p>
+          <a:p>
+            <a:r>
+              <a:rPr lang="en-US"/>
+              <a:t>Languages other than Python are also vulnerable, e.g. JavaScript/Node.js (npm), Java (Maven Central), and others</a:t>
+            </a:r>
+          </a:p>
+          <a:p>
+            <a:r>
+              <a:rPr lang="en-US"/>
+              <a:t>Continuous scanning can be implemented in a CI/CD pipeline to monitor for new vulnerabilities.</a:t>
+            </a:r>
+          </a:p>
+          <a:p>
+            <a:pPr marL="228600" lvl="2">
+              <a:spcBef>
+                <a:spcPts val="1000"/>
+              </a:spcBef>
+            </a:pPr>
+            <a:r>
+              <a:rPr lang="en-US" sz="2800"/>
+              <a:t>Active community maintenance efforts help in promptly addressing vulnerabilities, but the risk is still non-zero. </a:t>
+            </a:r>
+          </a:p>
+          <a:p>
+            <a:pPr marL="228600" lvl="2">
+              <a:spcBef>
+                <a:spcPts val="1000"/>
+              </a:spcBef>
+            </a:pPr>
+            <a:r>
+              <a:rPr lang="en-US" sz="2800"/>
+              <a:t>To mitigate risks, use latest versions, apply security patches, perform regular</a:t>
+            </a:r>
+            <a:br>
+              <a:rPr lang="en-US" sz="2800"/>
+            </a:br>
+            <a:r>
+              <a:rPr lang="en-US" sz="2800"/>
+              <a:t>vulnerability scans</a:t>
+            </a:r>
+          </a:p>
+          <a:p>
+            <a:pPr marL="228600" lvl="2">
+              <a:lnSpc>
+                <a:spcPct val="120000"/>
+              </a:lnSpc>
+            </a:pPr>
+            <a:endParaRPr lang="en-US"/>
+          </a:p>
+        </p:txBody>
+      </p:sp>
+    </p:spTree>
+    <p:extLst>
+      <p:ext uri="{BB962C8B-B14F-4D97-AF65-F5344CB8AC3E}">
+        <p14:creationId xmlns:p14="http://schemas.microsoft.com/office/powerpoint/2010/main" val="9652882"/>
+      </p:ext>
+    </p:extLst>
+  </p:cSld>
+  <p:clrMapOvr>
+    <a:masterClrMapping/>
+  </p:clrMapOvr>
+</p:sld>
+</file>
+
 <file path=ppt/slides/slide2.xml><?xml version="1.0" encoding="utf-8"?>
 <p:sld xmlns:a="http://schemas.openxmlformats.org/drawingml/2006/main" xmlns:r="http://schemas.openxmlformats.org/officeDocument/2006/relationships" xmlns:p="http://schemas.openxmlformats.org/presentationml/2006/main">
   <p:cSld>
@@ -2792,7 +3286,7 @@
             </a:pPr>
             <a:r>
               <a:rPr lang="en-US"/>
-              <a:t>1. Free and Open Source Software (FOSS) risks</a:t>
+              <a:t>1. Open Source Software risks</a:t>
             </a:r>
           </a:p>
           <a:p>
@@ -2927,7 +3421,7 @@
         <p:spPr>
           <a:xfrm>
             <a:off x="838200" y="336063"/>
-            <a:ext cx="10515600" cy="859691"/>
+            <a:ext cx="10515600" cy="737363"/>
           </a:xfrm>
         </p:spPr>
         <p:txBody>
@@ -2936,7 +3430,7 @@
           <a:p>
             <a:r>
               <a:rPr lang="en-US"/>
-              <a:t>Free and Open Source Software (FOSS) Risks</a:t>
+              <a:t>Open Source Software Risks</a:t>
             </a:r>
           </a:p>
         </p:txBody>
@@ -2965,9 +3459,15 @@
         </p:spPr>
         <p:txBody>
           <a:bodyPr>
-            <a:normAutofit fontScale="92500" lnSpcReduction="10000"/>
+            <a:normAutofit fontScale="92500" lnSpcReduction="20000"/>
           </a:bodyPr>
           <a:lstStyle/>
+          <a:p>
+            <a:r>
+              <a:rPr lang="en-US" sz="2600"/>
+              <a:t>U.S. Executive Order 14028</a:t>
+            </a:r>
+          </a:p>
           <a:p>
             <a:r>
               <a:rPr lang="en-US" sz="2600"/>
@@ -3004,6 +3504,9 @@
           </a:p>
           <a:p>
             <a:pPr marL="457200" indent="0">
+              <a:spcAft>
+                <a:spcPts val="500"/>
+              </a:spcAft>
               <a:buNone/>
             </a:pPr>
             <a:r>
@@ -3016,6 +3519,9 @@
           </a:p>
           <a:p>
             <a:pPr marL="914400" lvl="1" indent="0">
+              <a:spcAft>
+                <a:spcPts val="500"/>
+              </a:spcAft>
               <a:buNone/>
             </a:pPr>
             <a:r>
@@ -3025,6 +3531,9 @@
           </a:p>
           <a:p>
             <a:pPr marL="457200" indent="0">
+              <a:spcAft>
+                <a:spcPts val="500"/>
+              </a:spcAft>
               <a:buNone/>
             </a:pPr>
             <a:r>
@@ -3037,6 +3546,9 @@
           </a:p>
           <a:p>
             <a:pPr marL="914400" lvl="2" indent="0">
+              <a:spcAft>
+                <a:spcPts val="500"/>
+              </a:spcAft>
               <a:buNone/>
             </a:pPr>
             <a:r>
@@ -3164,7 +3676,7 @@
         </p:spPr>
         <p:txBody>
           <a:bodyPr>
-            <a:normAutofit fontScale="92500"/>
+            <a:normAutofit/>
           </a:bodyPr>
           <a:lstStyle/>
           <a:p>
@@ -3204,57 +3716,6 @@
               <a:rPr lang="en-US"/>
               <a:t>Used in conjunction with scanning tools to identify components with known security issues</a:t>
             </a:r>
-          </a:p>
-          <a:p>
-            <a:r>
-              <a:rPr lang="en-US"/>
-              <a:t>Popular SBOM generators include </a:t>
-            </a:r>
-            <a:r>
-              <a:rPr lang="en-US" b="1"/>
-              <a:t>CycloneDX</a:t>
-            </a:r>
-            <a:r>
-              <a:rPr lang="en-US"/>
-              <a:t>, </a:t>
-            </a:r>
-            <a:r>
-              <a:rPr lang="en-US" b="1"/>
-              <a:t>SPDX</a:t>
-            </a:r>
-            <a:r>
-              <a:rPr lang="en-US"/>
-              <a:t>, </a:t>
-            </a:r>
-            <a:r>
-              <a:rPr lang="en-US" b="1"/>
-              <a:t>OWASP Dependency-Track</a:t>
-            </a:r>
-            <a:r>
-              <a:rPr lang="en-US"/>
-              <a:t>, </a:t>
-            </a:r>
-            <a:r>
-              <a:rPr lang="en-US" b="1"/>
-              <a:t>Syft</a:t>
-            </a:r>
-            <a:r>
-              <a:rPr lang="en-US"/>
-              <a:t>, </a:t>
-            </a:r>
-            <a:r>
-              <a:rPr lang="en-US" b="1"/>
-              <a:t>Anchore</a:t>
-            </a:r>
-            <a:r>
-              <a:rPr lang="en-US"/>
-              <a:t>, and </a:t>
-            </a:r>
-            <a:r>
-              <a:rPr lang="en-US" b="1"/>
-              <a:t>FOSSA</a:t>
-            </a:r>
-            <a:endParaRPr lang="en-US"/>
           </a:p>
         </p:txBody>
       </p:sp>
@@ -3319,7 +3780,7 @@
             </a:pPr>
             <a:r>
               <a:rPr lang="en-US"/>
-              <a:t>Open Source Scanning Tools</a:t>
+              <a:t>Generating an SBOM</a:t>
             </a:r>
           </a:p>
         </p:txBody>
@@ -3354,35 +3815,11 @@
           <a:p>
             <a:r>
               <a:rPr lang="en-US"/>
-              <a:t>Open source scanning tools scan software codebases to identify open-source components and their licenses</a:t>
-            </a:r>
-          </a:p>
-          <a:p>
-            <a:r>
-              <a:rPr lang="en-US"/>
-              <a:t>The tools find known vulnerabilities in open-source libraries and dependencies</a:t>
-            </a:r>
-          </a:p>
-          <a:p>
-            <a:r>
-              <a:rPr lang="en-US"/>
-              <a:t>They ensures compliance with open-source licenses and legal requirements</a:t>
-            </a:r>
-          </a:p>
-          <a:p>
-            <a:r>
-              <a:rPr lang="en-US"/>
-              <a:t>The tools assess and manage potential risks associated with using open-source software</a:t>
-            </a:r>
-          </a:p>
-          <a:p>
-            <a:r>
-              <a:rPr lang="en-US"/>
-              <a:t>Popular scanning tools include </a:t>
+              <a:t>Popular SBOM generators include </a:t>
             </a:r>
             <a:r>
               <a:rPr lang="en-US" b="1"/>
-              <a:t>Sonatype Nexus IQ</a:t>
+              <a:t>CycloneDX</a:t>
             </a:r>
             <a:r>
               <a:rPr lang="en-US"/>
@@ -3390,7 +3827,7 @@
             </a:r>
             <a:r>
               <a:rPr lang="en-US" b="1"/>
-              <a:t>Snyk</a:t>
+              <a:t>SPDX</a:t>
             </a:r>
             <a:r>
               <a:rPr lang="en-US"/>
@@ -3398,7 +3835,7 @@
             </a:r>
             <a:r>
               <a:rPr lang="en-US" b="1"/>
-              <a:t>Black Duck</a:t>
+              <a:t>OWASP Dependency-Track</a:t>
             </a:r>
             <a:r>
               <a:rPr lang="en-US"/>
@@ -3406,7 +3843,7 @@
             </a:r>
             <a:r>
               <a:rPr lang="en-US" b="1"/>
-              <a:t>OWASP Dependency-Check</a:t>
+              <a:t>Syft</a:t>
             </a:r>
             <a:r>
               <a:rPr lang="en-US"/>
@@ -3414,32 +3851,55 @@
             </a:r>
             <a:r>
               <a:rPr lang="en-US" b="1"/>
-              <a:t>WhiteSource</a:t>
-            </a:r>
-            <a:r>
-              <a:rPr lang="en-US"/>
-              <a:t>, </a:t>
+              <a:t>Anchore</a:t>
+            </a:r>
+            <a:r>
+              <a:rPr lang="en-US"/>
+              <a:t>, and </a:t>
             </a:r>
             <a:r>
               <a:rPr lang="en-US" b="1"/>
-              <a:t>Trivy</a:t>
-            </a:r>
-            <a:r>
-              <a:rPr lang="en-US"/>
-              <a:t>, and </a:t>
-            </a:r>
-            <a:r>
-              <a:rPr lang="en-US" b="1"/>
-              <a:t>Clair</a:t>
-            </a:r>
-            <a:endParaRPr lang="en-US"/>
+              <a:t>FOSSA</a:t>
+            </a:r>
+          </a:p>
+          <a:p>
+            <a:r>
+              <a:rPr lang="en-US"/>
+              <a:t>Output formats vary, but JSON (JavaScript Object Notation, pronounced "Jason") is one of the most popular</a:t>
+            </a:r>
+          </a:p>
+          <a:p>
+            <a:r>
+              <a:rPr lang="en-US"/>
+              <a:t>JSON is a lightweight, text-based, human-readable format used to represent data as key-value pairs and arrays</a:t>
+            </a:r>
+          </a:p>
+          <a:p>
+            <a:r>
+              <a:rPr lang="en-US"/>
+              <a:t>A simple JSON example:</a:t>
+            </a:r>
+          </a:p>
+          <a:p>
+            <a:endParaRPr lang="en-US" sz="1050"/>
+          </a:p>
+          <a:p>
+            <a:pPr marL="517525" indent="0">
+              <a:buNone/>
+            </a:pPr>
+            <a:r>
+              <a:rPr lang="en-US" sz="2400" b="1">
+                <a:latin typeface="Consolas" panose="020B0609020204030204" pitchFamily="49" charset="0"/>
+              </a:rPr>
+              <a:t>{  "name": "John Doe",  "age": 30,  "city": "New York"}</a:t>
+            </a:r>
           </a:p>
         </p:txBody>
       </p:sp>
     </p:spTree>
     <p:extLst>
       <p:ext uri="{BB962C8B-B14F-4D97-AF65-F5344CB8AC3E}">
-        <p14:creationId xmlns:p14="http://schemas.microsoft.com/office/powerpoint/2010/main" val="2641037431"/>
+        <p14:creationId xmlns:p14="http://schemas.microsoft.com/office/powerpoint/2010/main" val="3324331545"/>
       </p:ext>
     </p:extLst>
   </p:cSld>
@@ -3484,8 +3944,8 @@
         </p:nvSpPr>
         <p:spPr>
           <a:xfrm>
-            <a:off x="838199" y="336063"/>
-            <a:ext cx="11064631" cy="859691"/>
+            <a:off x="838200" y="336063"/>
+            <a:ext cx="10515600" cy="859691"/>
           </a:xfrm>
         </p:spPr>
         <p:txBody>
@@ -3497,7 +3957,7 @@
             </a:pPr>
             <a:r>
               <a:rPr lang="en-US"/>
-              <a:t>Scanning + SBOMs For Security and Compliance</a:t>
+              <a:t>Open Source Scanning Tools</a:t>
             </a:r>
           </a:p>
         </p:txBody>
@@ -3521,58 +3981,106 @@
         <p:spPr>
           <a:xfrm>
             <a:off x="838200" y="1195755"/>
-            <a:ext cx="11064630" cy="4653508"/>
+            <a:ext cx="10515600" cy="4653508"/>
           </a:xfrm>
         </p:spPr>
         <p:txBody>
           <a:bodyPr>
-            <a:normAutofit/>
+            <a:normAutofit fontScale="92500"/>
           </a:bodyPr>
           <a:lstStyle/>
           <a:p>
             <a:r>
               <a:rPr lang="en-US"/>
-              <a:t>Create the project SBOM (includes components, dependencies, and  metadata)</a:t>
-            </a:r>
-          </a:p>
-          <a:p>
-            <a:r>
-              <a:rPr lang="en-US"/>
-              <a:t>Configure the scanner to use the generated SBOM</a:t>
-            </a:r>
-          </a:p>
-          <a:p>
-            <a:r>
-              <a:rPr lang="en-US"/>
-              <a:t>The scanner cross-references SBOM data with vulnerability databases </a:t>
-            </a:r>
-          </a:p>
-          <a:p>
-            <a:pPr marL="914400" indent="0">
-              <a:buNone/>
-            </a:pPr>
-            <a:r>
-              <a:rPr lang="en-US" sz="2400"/>
-              <a:t>e.g., </a:t>
-            </a:r>
-            <a:r>
-              <a:rPr lang="en-US" sz="2400" b="1"/>
-              <a:t>National Vulnerability Database (NVD), Common Vulnerabilities and Exposures (CVE), OSS Index, GitHub Advisory Database, Snyk Vulnerability Database </a:t>
-            </a:r>
-          </a:p>
-          <a:p>
-            <a:pPr indent="0">
-              <a:buNone/>
-            </a:pPr>
-            <a:r>
-              <a:rPr lang="en-US"/>
-              <a:t>to identify known issues</a:t>
-            </a:r>
-          </a:p>
-          <a:p>
-            <a:r>
-              <a:rPr lang="en-US"/>
-              <a:t>A detailed report is generated highlighting vulnerabilities and providing actionable insights for remediation and updates.</a:t>
+              <a:t>Open source scanning tools scan software codebases to identify open-source components and their licenses</a:t>
+            </a:r>
+          </a:p>
+          <a:p>
+            <a:r>
+              <a:rPr lang="en-US"/>
+              <a:t>The tools find known vulnerabilities in open-source libraries and dependencies</a:t>
+            </a:r>
+          </a:p>
+          <a:p>
+            <a:r>
+              <a:rPr lang="en-US"/>
+              <a:t>They ensures compliance with open-source licenses and legal requirements</a:t>
+            </a:r>
+          </a:p>
+          <a:p>
+            <a:r>
+              <a:rPr lang="en-US"/>
+              <a:t>The tools assess and manage potential risks associated with using open-source software</a:t>
+            </a:r>
+          </a:p>
+          <a:p>
+            <a:r>
+              <a:rPr lang="en-US"/>
+              <a:t>Popular scanning tools include </a:t>
+            </a:r>
+            <a:r>
+              <a:rPr lang="en-US" b="1"/>
+              <a:t>Sonatype Nexus IQ</a:t>
+            </a:r>
+            <a:r>
+              <a:rPr lang="en-US"/>
+              <a:t>, </a:t>
+            </a:r>
+            <a:r>
+              <a:rPr lang="en-US" b="1"/>
+              <a:t>Snyk</a:t>
+            </a:r>
+            <a:r>
+              <a:rPr lang="en-US"/>
+              <a:t>, </a:t>
+            </a:r>
+            <a:r>
+              <a:rPr lang="en-US" b="1"/>
+              <a:t>Black Duck</a:t>
+            </a:r>
+            <a:r>
+              <a:rPr lang="en-US"/>
+              <a:t>, </a:t>
+            </a:r>
+            <a:r>
+              <a:rPr lang="en-US" b="1"/>
+              <a:t>OWASP Dependency-Check</a:t>
+            </a:r>
+            <a:r>
+              <a:rPr lang="en-US"/>
+              <a:t>, </a:t>
+            </a:r>
+            <a:r>
+              <a:rPr lang="en-US" b="1"/>
+              <a:t>WhiteSource</a:t>
+            </a:r>
+            <a:r>
+              <a:rPr lang="en-US"/>
+              <a:t>, </a:t>
+            </a:r>
+            <a:r>
+              <a:rPr lang="en-US" b="1"/>
+              <a:t>Trivy</a:t>
+            </a:r>
+            <a:r>
+              <a:rPr lang="en-US"/>
+              <a:t>, and </a:t>
+            </a:r>
+            <a:r>
+              <a:rPr lang="en-US" b="1"/>
+              <a:t>Clair</a:t>
+            </a:r>
+          </a:p>
+          <a:p>
+            <a:r>
+              <a:rPr lang="en-US">
+                <a:hlinkClick r:id="rId2"/>
+              </a:rPr>
+              <a:t>U.S. Executive Order 14028</a:t>
+            </a:r>
+            <a:r>
+              <a:rPr lang="en-US"/>
+              <a:t> mandates the verification of open source software components using these types of tools</a:t>
             </a:r>
           </a:p>
         </p:txBody>
@@ -3580,7 +4088,7 @@
     </p:spTree>
     <p:extLst>
       <p:ext uri="{BB962C8B-B14F-4D97-AF65-F5344CB8AC3E}">
-        <p14:creationId xmlns:p14="http://schemas.microsoft.com/office/powerpoint/2010/main" val="4248240363"/>
+        <p14:creationId xmlns:p14="http://schemas.microsoft.com/office/powerpoint/2010/main" val="2641037431"/>
       </p:ext>
     </p:extLst>
   </p:cSld>
@@ -3638,7 +4146,7 @@
             </a:pPr>
             <a:r>
               <a:rPr lang="en-US"/>
-              <a:t>Example/Walkthrough</a:t>
+              <a:t>Scanning + SBOMs For Security and Compliance</a:t>
             </a:r>
           </a:p>
         </p:txBody>
@@ -3673,54 +4181,42 @@
           <a:p>
             <a:r>
               <a:rPr lang="en-US"/>
-              <a:t>The following example demonstrates how to perform a scan.</a:t>
-            </a:r>
-          </a:p>
-          <a:p>
-            <a:r>
-              <a:rPr lang="en-US"/>
-              <a:t>Scenario: You are developing a machine learning model using TensorFlow, a widely-used open source machine learning library.</a:t>
-            </a:r>
-          </a:p>
-          <a:p>
-            <a:pPr marL="914400" indent="-288925">
-              <a:buFont typeface="+mj-lt"/>
-              <a:buAutoNum type="arabicPeriod"/>
+              <a:t>Create the project SBOM (includes components, dependencies, and  metadata)</a:t>
+            </a:r>
+          </a:p>
+          <a:p>
+            <a:r>
+              <a:rPr lang="en-US"/>
+              <a:t>Configure the scanner to use the generated SBOM</a:t>
+            </a:r>
+          </a:p>
+          <a:p>
+            <a:r>
+              <a:rPr lang="en-US"/>
+              <a:t>The scanner cross-references SBOM data with vulnerability databases to identify known issues </a:t>
+            </a:r>
+          </a:p>
+          <a:p>
+            <a:pPr marL="914400" indent="0">
+              <a:buNone/>
             </a:pPr>
             <a:r>
-              <a:rPr lang="en-US"/>
-              <a:t>Run the scanning tool to identify known vulnerabilities in the TensorFlow library and its dependencies.</a:t>
-            </a:r>
-          </a:p>
-          <a:p>
-            <a:pPr marL="914400" indent="-288925">
-              <a:buFont typeface="+mj-lt"/>
-              <a:buAutoNum type="arabicPeriod"/>
-            </a:pPr>
-            <a:r>
-              <a:rPr lang="en-US"/>
-              <a:t>The scan detects critical vulnerabilities in specific versions of TensorFlow and dependencies that could allow remote code execution.</a:t>
-            </a:r>
-          </a:p>
-          <a:p>
-            <a:pPr marL="914400" indent="-288925">
-              <a:buFont typeface="+mj-lt"/>
-              <a:buAutoNum type="arabicPeriod"/>
-            </a:pPr>
-            <a:r>
-              <a:rPr lang="en-US"/>
-              <a:t>Based on the scan results, update TensorFlow to a version where the vulnerability is patched.</a:t>
-            </a:r>
-          </a:p>
-          <a:p>
-            <a:endParaRPr lang="en-US"/>
+              <a:rPr lang="en-US" sz="2400" b="1"/>
+              <a:t>e.g., CVE (Common Vulnerabilities and Exposures), National Vulnerability Database (NVD), Aqua Vulnerability Database, OSS Index, GitHub Advisory Database, Snyk Vulnerability Database </a:t>
+            </a:r>
+          </a:p>
+          <a:p>
+            <a:r>
+              <a:rPr lang="en-US"/>
+              <a:t>A report is generated highlighting vulnerabilities and providing actionable insights for remediation and updates</a:t>
+            </a:r>
           </a:p>
         </p:txBody>
       </p:sp>
     </p:spTree>
     <p:extLst>
       <p:ext uri="{BB962C8B-B14F-4D97-AF65-F5344CB8AC3E}">
-        <p14:creationId xmlns:p14="http://schemas.microsoft.com/office/powerpoint/2010/main" val="2520027892"/>
+        <p14:creationId xmlns:p14="http://schemas.microsoft.com/office/powerpoint/2010/main" val="4248240363"/>
       </p:ext>
     </p:extLst>
   </p:cSld>
@@ -3778,7 +4274,7 @@
             </a:pPr>
             <a:r>
               <a:rPr lang="en-US"/>
-              <a:t>Conclusion/Q&amp;A</a:t>
+              <a:t>Example/Walkthrough</a:t>
             </a:r>
           </a:p>
         </p:txBody>
@@ -3812,52 +4308,498 @@
           <a:lstStyle/>
           <a:p>
             <a:r>
-              <a:rPr lang="en-US" sz="2400"/>
-              <a:t>Additional steps: Implement continuous scanning in your CI/CD pipeline to monitor for new vulnerabilities in dependencies.</a:t>
-            </a:r>
-          </a:p>
-          <a:p>
-            <a:r>
-              <a:rPr lang="en-US" sz="2400"/>
-              <a:t>The scan also checks for licensing issues, ensuring all components comply with your project's license policy.</a:t>
-            </a:r>
-          </a:p>
-          <a:p>
-            <a:pPr marL="228600" lvl="2">
+              <a:rPr lang="en-US"/>
+              <a:t>The following example demonstrates how to perform a scan for a Python program which uses TensorFlow, a widely-used open source machine learning library.</a:t>
+            </a:r>
+          </a:p>
+          <a:p>
+            <a:pPr marL="914400" indent="-288925">
+              <a:buFont typeface="+mj-lt"/>
+              <a:buAutoNum type="arabicPeriod"/>
+            </a:pPr>
+            <a:r>
+              <a:rPr lang="en-US"/>
+              <a:t>The scenario is that we are developing a Python application which uses several popular data science libraries (numpy, pandas, etc.)</a:t>
+            </a:r>
+          </a:p>
+          <a:p>
+            <a:pPr marL="914400" indent="-288925">
+              <a:buFont typeface="+mj-lt"/>
+              <a:buAutoNum type="arabicPeriod"/>
+            </a:pPr>
+            <a:r>
+              <a:rPr lang="en-US"/>
+              <a:t>A JSON-based SBOM is created using the </a:t>
+            </a:r>
+            <a:r>
+              <a:rPr lang="en-US" b="1"/>
+              <a:t>cyclonedx</a:t>
+            </a:r>
+            <a:r>
+              <a:rPr lang="en-US"/>
+              <a:t> generator</a:t>
+            </a:r>
+          </a:p>
+          <a:p>
+            <a:pPr marL="914400" indent="-288925">
+              <a:buFont typeface="+mj-lt"/>
+              <a:buAutoNum type="arabicPeriod"/>
+            </a:pPr>
+            <a:r>
+              <a:rPr lang="en-US"/>
+              <a:t>The </a:t>
+            </a:r>
+            <a:r>
+              <a:rPr lang="en-US" b="1"/>
+              <a:t>trivy</a:t>
+            </a:r>
+            <a:r>
+              <a:rPr lang="en-US"/>
+              <a:t> scanner is executed against the generated SBOM to identify known vulnerabilities in the installed modules</a:t>
+            </a:r>
+          </a:p>
+        </p:txBody>
+      </p:sp>
+    </p:spTree>
+    <p:extLst>
+      <p:ext uri="{BB962C8B-B14F-4D97-AF65-F5344CB8AC3E}">
+        <p14:creationId xmlns:p14="http://schemas.microsoft.com/office/powerpoint/2010/main" val="2520027892"/>
+      </p:ext>
+    </p:extLst>
+  </p:cSld>
+  <p:clrMapOvr>
+    <a:masterClrMapping/>
+  </p:clrMapOvr>
+</p:sld>
+</file>
+
+<file path=ppt/slides/slide9.xml><?xml version="1.0" encoding="utf-8"?>
+<p:sld xmlns:a="http://schemas.openxmlformats.org/drawingml/2006/main" xmlns:r="http://schemas.openxmlformats.org/officeDocument/2006/relationships" xmlns:p="http://schemas.openxmlformats.org/presentationml/2006/main">
+  <p:cSld>
+    <p:spTree>
+      <p:nvGrpSpPr>
+        <p:cNvPr id="1" name=""/>
+        <p:cNvGrpSpPr/>
+        <p:nvPr/>
+      </p:nvGrpSpPr>
+      <p:grpSpPr>
+        <a:xfrm>
+          <a:off x="0" y="0"/>
+          <a:ext cx="0" cy="0"/>
+          <a:chOff x="0" y="0"/>
+          <a:chExt cx="0" cy="0"/>
+        </a:xfrm>
+      </p:grpSpPr>
+      <p:sp>
+        <p:nvSpPr>
+          <p:cNvPr id="3" name="Content Placeholder 2">
+            <a:extLst>
+              <a:ext uri="{FF2B5EF4-FFF2-40B4-BE49-F238E27FC236}">
+                <a16:creationId xmlns:a16="http://schemas.microsoft.com/office/drawing/2014/main" id="{6E449BAC-DDB7-1939-D3ED-84004CEABAA5}"/>
+              </a:ext>
+            </a:extLst>
+          </p:cNvPr>
+          <p:cNvSpPr>
+            <a:spLocks noGrp="1"/>
+          </p:cNvSpPr>
+          <p:nvPr>
+            <p:ph idx="1"/>
+          </p:nvPr>
+        </p:nvSpPr>
+        <p:spPr>
+          <a:xfrm>
+            <a:off x="838200" y="289560"/>
+            <a:ext cx="11064630" cy="5559703"/>
+          </a:xfrm>
+        </p:spPr>
+        <p:txBody>
+          <a:bodyPr>
+            <a:normAutofit fontScale="70000" lnSpcReduction="20000"/>
+          </a:bodyPr>
+          <a:lstStyle/>
+          <a:p>
+            <a:pPr marL="0" indent="0">
               <a:lnSpc>
                 <a:spcPct val="120000"/>
               </a:lnSpc>
+              <a:buNone/>
             </a:pPr>
             <a:r>
-              <a:rPr lang="en-US" sz="2400"/>
-              <a:t>Active community maintenance efforts help in promptly addressing vulnerabilities, but the risk is still non-zero. </a:t>
-            </a:r>
-          </a:p>
-          <a:p>
-            <a:pPr marL="228600" lvl="2">
-              <a:lnSpc>
-                <a:spcPct val="120000"/>
-              </a:lnSpc>
-            </a:pPr>
-            <a:r>
-              <a:rPr lang="en-US" sz="2400"/>
-              <a:t>To mitigate risks, it is essential to use latest versions, apply security patches, and perform regular vulnerability scans</a:t>
-            </a:r>
-          </a:p>
-          <a:p>
-            <a:pPr marL="228600" lvl="2">
-              <a:lnSpc>
-                <a:spcPct val="120000"/>
-              </a:lnSpc>
-            </a:pPr>
-            <a:endParaRPr lang="en-US"/>
+              <a:rPr lang="en-US" sz="1400" b="1">
+                <a:latin typeface="Consolas" panose="020B0609020204030204" pitchFamily="49" charset="0"/>
+              </a:rPr>
+              <a:t>c:&gt; type sbom.json</a:t>
+            </a:r>
+            <a:br>
+              <a:rPr lang="en-US" sz="1400" b="1">
+                <a:latin typeface="Consolas" panose="020B0609020204030204" pitchFamily="49" charset="0"/>
+              </a:rPr>
+            </a:br>
+            <a:r>
+              <a:rPr lang="en-US" sz="1400" b="1">
+                <a:latin typeface="Consolas" panose="020B0609020204030204" pitchFamily="49" charset="0"/>
+              </a:rPr>
+              <a:t>{</a:t>
+            </a:r>
+            <a:br>
+              <a:rPr lang="en-US" sz="1400" b="1">
+                <a:latin typeface="Consolas" panose="020B0609020204030204" pitchFamily="49" charset="0"/>
+              </a:rPr>
+            </a:br>
+            <a:r>
+              <a:rPr lang="en-US" sz="1400" b="1">
+                <a:latin typeface="Consolas" panose="020B0609020204030204" pitchFamily="49" charset="0"/>
+              </a:rPr>
+              <a:t>    "components": [</a:t>
+            </a:r>
+            <a:br>
+              <a:rPr lang="en-US" sz="1400" b="1">
+                <a:latin typeface="Consolas" panose="020B0609020204030204" pitchFamily="49" charset="0"/>
+              </a:rPr>
+            </a:br>
+            <a:r>
+              <a:rPr lang="en-US" sz="1400" b="1">
+                <a:latin typeface="Consolas" panose="020B0609020204030204" pitchFamily="49" charset="0"/>
+              </a:rPr>
+              <a:t>        ...</a:t>
+            </a:r>
+            <a:br>
+              <a:rPr lang="en-US" sz="1400" b="1">
+                <a:latin typeface="Consolas" panose="020B0609020204030204" pitchFamily="49" charset="0"/>
+              </a:rPr>
+            </a:br>
+            <a:r>
+              <a:rPr lang="en-US" sz="1400" b="1">
+                <a:latin typeface="Consolas" panose="020B0609020204030204" pitchFamily="49" charset="0"/>
+              </a:rPr>
+              <a:t>        {</a:t>
+            </a:r>
+            <a:br>
+              <a:rPr lang="en-US" sz="1400" b="1">
+                <a:latin typeface="Consolas" panose="020B0609020204030204" pitchFamily="49" charset="0"/>
+              </a:rPr>
+            </a:br>
+            <a:r>
+              <a:rPr lang="en-US" sz="1400" b="1">
+                <a:latin typeface="Consolas" panose="020B0609020204030204" pitchFamily="49" charset="0"/>
+              </a:rPr>
+              <a:t>            "bom-ref": "BomRef.8266599203400378.17777486972705125",</a:t>
+            </a:r>
+            <a:br>
+              <a:rPr lang="en-US" sz="1400" b="1">
+                <a:latin typeface="Consolas" panose="020B0609020204030204" pitchFamily="49" charset="0"/>
+              </a:rPr>
+            </a:br>
+            <a:r>
+              <a:rPr lang="en-US" sz="1400" b="1">
+                <a:latin typeface="Consolas" panose="020B0609020204030204" pitchFamily="49" charset="0"/>
+              </a:rPr>
+              <a:t>            "name": "scikit-learn",</a:t>
+            </a:r>
+            <a:br>
+              <a:rPr lang="en-US" sz="1400" b="1">
+                <a:latin typeface="Consolas" panose="020B0609020204030204" pitchFamily="49" charset="0"/>
+              </a:rPr>
+            </a:br>
+            <a:r>
+              <a:rPr lang="en-US" sz="1400" b="1">
+                <a:latin typeface="Consolas" panose="020B0609020204030204" pitchFamily="49" charset="0"/>
+              </a:rPr>
+              <a:t>            "purl": "pkg:pypi/scikit-learn@1.3.1",</a:t>
+            </a:r>
+            <a:br>
+              <a:rPr lang="en-US" sz="1400" b="1">
+                <a:latin typeface="Consolas" panose="020B0609020204030204" pitchFamily="49" charset="0"/>
+              </a:rPr>
+            </a:br>
+            <a:r>
+              <a:rPr lang="en-US" sz="1400" b="1">
+                <a:latin typeface="Consolas" panose="020B0609020204030204" pitchFamily="49" charset="0"/>
+              </a:rPr>
+              <a:t>            "type": "library",</a:t>
+            </a:r>
+            <a:br>
+              <a:rPr lang="en-US" sz="1400" b="1">
+                <a:latin typeface="Consolas" panose="020B0609020204030204" pitchFamily="49" charset="0"/>
+              </a:rPr>
+            </a:br>
+            <a:r>
+              <a:rPr lang="en-US" sz="1400" b="1">
+                <a:latin typeface="Consolas" panose="020B0609020204030204" pitchFamily="49" charset="0"/>
+              </a:rPr>
+              <a:t>            "version": "1.3.1"</a:t>
+            </a:r>
+            <a:br>
+              <a:rPr lang="en-US" sz="1400" b="1">
+                <a:latin typeface="Consolas" panose="020B0609020204030204" pitchFamily="49" charset="0"/>
+              </a:rPr>
+            </a:br>
+            <a:r>
+              <a:rPr lang="en-US" sz="1400" b="1">
+                <a:latin typeface="Consolas" panose="020B0609020204030204" pitchFamily="49" charset="0"/>
+              </a:rPr>
+              <a:t>        }</a:t>
+            </a:r>
+            <a:br>
+              <a:rPr lang="en-US" sz="1400" b="1">
+                <a:latin typeface="Consolas" panose="020B0609020204030204" pitchFamily="49" charset="0"/>
+              </a:rPr>
+            </a:br>
+            <a:r>
+              <a:rPr lang="en-US" sz="1400" b="1">
+                <a:latin typeface="Consolas" panose="020B0609020204030204" pitchFamily="49" charset="0"/>
+              </a:rPr>
+              <a:t>    ],</a:t>
+            </a:r>
+            <a:br>
+              <a:rPr lang="en-US" sz="1400" b="1">
+                <a:latin typeface="Consolas" panose="020B0609020204030204" pitchFamily="49" charset="0"/>
+              </a:rPr>
+            </a:br>
+            <a:r>
+              <a:rPr lang="en-US" sz="1400" b="1">
+                <a:latin typeface="Consolas" panose="020B0609020204030204" pitchFamily="49" charset="0"/>
+              </a:rPr>
+              <a:t>    "dependencies": [</a:t>
+            </a:r>
+            <a:br>
+              <a:rPr lang="en-US" sz="1400" b="1">
+                <a:latin typeface="Consolas" panose="020B0609020204030204" pitchFamily="49" charset="0"/>
+              </a:rPr>
+            </a:br>
+            <a:r>
+              <a:rPr lang="en-US" sz="1400" b="1">
+                <a:latin typeface="Consolas" panose="020B0609020204030204" pitchFamily="49" charset="0"/>
+              </a:rPr>
+              <a:t>        ...</a:t>
+            </a:r>
+            <a:br>
+              <a:rPr lang="en-US" sz="1400" b="1">
+                <a:latin typeface="Consolas" panose="020B0609020204030204" pitchFamily="49" charset="0"/>
+              </a:rPr>
+            </a:br>
+            <a:r>
+              <a:rPr lang="en-US" sz="1400" b="1">
+                <a:latin typeface="Consolas" panose="020B0609020204030204" pitchFamily="49" charset="0"/>
+              </a:rPr>
+              <a:t>        {</a:t>
+            </a:r>
+            <a:br>
+              <a:rPr lang="en-US" sz="1400" b="1">
+                <a:latin typeface="Consolas" panose="020B0609020204030204" pitchFamily="49" charset="0"/>
+              </a:rPr>
+            </a:br>
+            <a:r>
+              <a:rPr lang="en-US" sz="1400" b="1">
+                <a:latin typeface="Consolas" panose="020B0609020204030204" pitchFamily="49" charset="0"/>
+              </a:rPr>
+              <a:t>            "ref": "BomRef.8266599203400378.17777486972705125"</a:t>
+            </a:r>
+            <a:br>
+              <a:rPr lang="en-US" sz="1400" b="1">
+                <a:latin typeface="Consolas" panose="020B0609020204030204" pitchFamily="49" charset="0"/>
+              </a:rPr>
+            </a:br>
+            <a:r>
+              <a:rPr lang="en-US" sz="1400" b="1">
+                <a:latin typeface="Consolas" panose="020B0609020204030204" pitchFamily="49" charset="0"/>
+              </a:rPr>
+              <a:t>        }</a:t>
+            </a:r>
+            <a:br>
+              <a:rPr lang="en-US" sz="1400" b="1">
+                <a:latin typeface="Consolas" panose="020B0609020204030204" pitchFamily="49" charset="0"/>
+              </a:rPr>
+            </a:br>
+            <a:r>
+              <a:rPr lang="en-US" sz="1400" b="1">
+                <a:latin typeface="Consolas" panose="020B0609020204030204" pitchFamily="49" charset="0"/>
+              </a:rPr>
+              <a:t>    ],</a:t>
+            </a:r>
+            <a:br>
+              <a:rPr lang="en-US" sz="1400" b="1">
+                <a:latin typeface="Consolas" panose="020B0609020204030204" pitchFamily="49" charset="0"/>
+              </a:rPr>
+            </a:br>
+            <a:r>
+              <a:rPr lang="en-US" sz="1400" b="1">
+                <a:latin typeface="Consolas" panose="020B0609020204030204" pitchFamily="49" charset="0"/>
+              </a:rPr>
+              <a:t>    "metadata": {</a:t>
+            </a:r>
+            <a:br>
+              <a:rPr lang="en-US" sz="1400" b="1">
+                <a:latin typeface="Consolas" panose="020B0609020204030204" pitchFamily="49" charset="0"/>
+              </a:rPr>
+            </a:br>
+            <a:r>
+              <a:rPr lang="en-US" sz="1400" b="1">
+                <a:latin typeface="Consolas" panose="020B0609020204030204" pitchFamily="49" charset="0"/>
+              </a:rPr>
+              <a:t>        "timestamp": "2024-07-10T18:00:27.973509+00:00",</a:t>
+            </a:r>
+            <a:br>
+              <a:rPr lang="en-US" sz="1400" b="1">
+                <a:latin typeface="Consolas" panose="020B0609020204030204" pitchFamily="49" charset="0"/>
+              </a:rPr>
+            </a:br>
+            <a:r>
+              <a:rPr lang="en-US" sz="1400" b="1">
+                <a:latin typeface="Consolas" panose="020B0609020204030204" pitchFamily="49" charset="0"/>
+              </a:rPr>
+              <a:t>        "tools": [</a:t>
+            </a:r>
+            <a:br>
+              <a:rPr lang="en-US" sz="1400" b="1">
+                <a:latin typeface="Consolas" panose="020B0609020204030204" pitchFamily="49" charset="0"/>
+              </a:rPr>
+            </a:br>
+            <a:r>
+              <a:rPr lang="en-US" sz="1400" b="1">
+                <a:latin typeface="Consolas" panose="020B0609020204030204" pitchFamily="49" charset="0"/>
+              </a:rPr>
+              <a:t>            {</a:t>
+            </a:r>
+            <a:br>
+              <a:rPr lang="en-US" sz="1400" b="1">
+                <a:latin typeface="Consolas" panose="020B0609020204030204" pitchFamily="49" charset="0"/>
+              </a:rPr>
+            </a:br>
+            <a:r>
+              <a:rPr lang="en-US" sz="1400" b="1">
+                <a:latin typeface="Consolas" panose="020B0609020204030204" pitchFamily="49" charset="0"/>
+              </a:rPr>
+              <a:t>                "name": "cyclonedx-python-lib",</a:t>
+            </a:r>
+            <a:br>
+              <a:rPr lang="en-US" sz="1400" b="1">
+                <a:latin typeface="Consolas" panose="020B0609020204030204" pitchFamily="49" charset="0"/>
+              </a:rPr>
+            </a:br>
+            <a:r>
+              <a:rPr lang="en-US" sz="1400" b="1">
+                <a:latin typeface="Consolas" panose="020B0609020204030204" pitchFamily="49" charset="0"/>
+              </a:rPr>
+              <a:t>                "vendor": "CycloneDX",</a:t>
+            </a:r>
+            <a:br>
+              <a:rPr lang="en-US" sz="1400" b="1">
+                <a:latin typeface="Consolas" panose="020B0609020204030204" pitchFamily="49" charset="0"/>
+              </a:rPr>
+            </a:br>
+            <a:r>
+              <a:rPr lang="en-US" sz="1400" b="1">
+                <a:latin typeface="Consolas" panose="020B0609020204030204" pitchFamily="49" charset="0"/>
+              </a:rPr>
+              <a:t>                "version": "7.5.1"</a:t>
+            </a:r>
+            <a:br>
+              <a:rPr lang="en-US" sz="1400" b="1">
+                <a:latin typeface="Consolas" panose="020B0609020204030204" pitchFamily="49" charset="0"/>
+              </a:rPr>
+            </a:br>
+            <a:r>
+              <a:rPr lang="en-US" sz="1400" b="1">
+                <a:latin typeface="Consolas" panose="020B0609020204030204" pitchFamily="49" charset="0"/>
+              </a:rPr>
+              <a:t>            }</a:t>
+            </a:r>
+            <a:br>
+              <a:rPr lang="en-US" sz="1400" b="1">
+                <a:latin typeface="Consolas" panose="020B0609020204030204" pitchFamily="49" charset="0"/>
+              </a:rPr>
+            </a:br>
+            <a:r>
+              <a:rPr lang="en-US" sz="1400" b="1">
+                <a:latin typeface="Consolas" panose="020B0609020204030204" pitchFamily="49" charset="0"/>
+              </a:rPr>
+              <a:t>        ]</a:t>
+            </a:r>
+            <a:br>
+              <a:rPr lang="en-US" sz="1400" b="1">
+                <a:latin typeface="Consolas" panose="020B0609020204030204" pitchFamily="49" charset="0"/>
+              </a:rPr>
+            </a:br>
+            <a:r>
+              <a:rPr lang="en-US" sz="1400" b="1">
+                <a:latin typeface="Consolas" panose="020B0609020204030204" pitchFamily="49" charset="0"/>
+              </a:rPr>
+              <a:t>    },</a:t>
+            </a:r>
+            <a:br>
+              <a:rPr lang="en-US" sz="1400" b="1">
+                <a:latin typeface="Consolas" panose="020B0609020204030204" pitchFamily="49" charset="0"/>
+              </a:rPr>
+            </a:br>
+            <a:r>
+              <a:rPr lang="en-US" sz="1400" b="1">
+                <a:latin typeface="Consolas" panose="020B0609020204030204" pitchFamily="49" charset="0"/>
+              </a:rPr>
+              <a:t>    "serialNumber": "urn:uuid:75861a84-ed1e-40a2-bb8f-3d634297a627",</a:t>
+            </a:r>
+            <a:br>
+              <a:rPr lang="en-US" sz="1400" b="1">
+                <a:latin typeface="Consolas" panose="020B0609020204030204" pitchFamily="49" charset="0"/>
+              </a:rPr>
+            </a:br>
+            <a:r>
+              <a:rPr lang="en-US" sz="1400" b="1">
+                <a:latin typeface="Consolas" panose="020B0609020204030204" pitchFamily="49" charset="0"/>
+              </a:rPr>
+              <a:t>    "version": 1,</a:t>
+            </a:r>
+            <a:br>
+              <a:rPr lang="en-US" sz="1400" b="1">
+                <a:latin typeface="Consolas" panose="020B0609020204030204" pitchFamily="49" charset="0"/>
+              </a:rPr>
+            </a:br>
+            <a:r>
+              <a:rPr lang="en-US" sz="1400" b="1">
+                <a:latin typeface="Consolas" panose="020B0609020204030204" pitchFamily="49" charset="0"/>
+              </a:rPr>
+              <a:t>    "$schema": "http://cyclonedx.org/schema/bom-1.3a.schema.json",</a:t>
+            </a:r>
+            <a:br>
+              <a:rPr lang="en-US" sz="1400" b="1">
+                <a:latin typeface="Consolas" panose="020B0609020204030204" pitchFamily="49" charset="0"/>
+              </a:rPr>
+            </a:br>
+            <a:r>
+              <a:rPr lang="en-US" sz="1400" b="1">
+                <a:latin typeface="Consolas" panose="020B0609020204030204" pitchFamily="49" charset="0"/>
+              </a:rPr>
+              <a:t>    "bomFormat": "CycloneDX",</a:t>
+            </a:r>
+            <a:br>
+              <a:rPr lang="en-US" sz="1400" b="1">
+                <a:latin typeface="Consolas" panose="020B0609020204030204" pitchFamily="49" charset="0"/>
+              </a:rPr>
+            </a:br>
+            <a:r>
+              <a:rPr lang="en-US" sz="1400" b="1">
+                <a:latin typeface="Consolas" panose="020B0609020204030204" pitchFamily="49" charset="0"/>
+              </a:rPr>
+              <a:t>    "specVersion": "1.3"</a:t>
+            </a:r>
+            <a:br>
+              <a:rPr lang="en-US" sz="1400" b="1">
+                <a:latin typeface="Consolas" panose="020B0609020204030204" pitchFamily="49" charset="0"/>
+              </a:rPr>
+            </a:br>
+            <a:r>
+              <a:rPr lang="en-US" sz="1400" b="1">
+                <a:latin typeface="Consolas" panose="020B0609020204030204" pitchFamily="49" charset="0"/>
+              </a:rPr>
+              <a:t>}</a:t>
+            </a:r>
           </a:p>
         </p:txBody>
       </p:sp>
     </p:spTree>
     <p:extLst>
       <p:ext uri="{BB962C8B-B14F-4D97-AF65-F5344CB8AC3E}">
-        <p14:creationId xmlns:p14="http://schemas.microsoft.com/office/powerpoint/2010/main" val="9652882"/>
+        <p14:creationId xmlns:p14="http://schemas.microsoft.com/office/powerpoint/2010/main" val="710773242"/>
       </p:ext>
     </p:extLst>
   </p:cSld>
